--- a/Projet/Presentation/pitch_groupe05.pptx
+++ b/Projet/Presentation/pitch_groupe05.pptx
@@ -9,11 +9,12 @@
   </p:notesMasterIdLst>
   <p:sldIdLst>
     <p:sldId id="256" r:id="rId8"/>
-    <p:sldId id="257" r:id="rId10"/>
-    <p:sldId id="258" r:id="rId11"/>
-    <p:sldId id="259" r:id="rId12"/>
-    <p:sldId id="260" r:id="rId13"/>
-    <p:sldId id="261" r:id="rId14"/>
+    <p:sldId id="257" r:id="rId9"/>
+    <p:sldId id="258" r:id="rId10"/>
+    <p:sldId id="259" r:id="rId11"/>
+    <p:sldId id="260" r:id="rId12"/>
+    <p:sldId id="261" r:id="rId13"/>
+    <p:sldId id="262" r:id="rId14"/>
   </p:sldIdLst>
   <p:sldSz cx="13004800" cy="9753600"/>
   <p:notesSz cx="6858000" cy="9144000"/>
@@ -319,23 +320,7 @@
 </file>
 
 <file path=ppt/commentAuthors.xml><?xml version="1.0" encoding="utf-8"?>
-<p:cmAuthorLst xmlns:a="http://schemas.openxmlformats.org/drawingml/2006/main" xmlns:r="http://schemas.openxmlformats.org/officeDocument/2006/relationships" xmlns:p="http://schemas.openxmlformats.org/presentationml/2006/main" xmlns:m="http://schemas.openxmlformats.org/officeDocument/2006/math" xmlns:a14="http://schemas.microsoft.com/office/drawing/2010/main">
-  <p:cmAuthor id="0" name="Guillaume Jouvencel" initials="GJ" lastIdx="1" clrIdx="0"/>
-</p:cmAuthorLst>
-</file>
-
-<file path=ppt/comments/comment1.xml><?xml version="1.0" encoding="utf-8"?>
-<p:cmLst xmlns:a="http://schemas.openxmlformats.org/drawingml/2006/main" xmlns:r="http://schemas.openxmlformats.org/officeDocument/2006/relationships" xmlns:p="http://schemas.openxmlformats.org/presentationml/2006/main" xmlns:m="http://schemas.openxmlformats.org/officeDocument/2006/math" xmlns:a14="http://schemas.microsoft.com/office/drawing/2010/main">
-  <p:cm authorId="0" dt="2019-04-19T12:24:13.946" idx="1">
-    <p:pos x="3136" y="2512"/>
-    <p:text>Test</p:text>
-    <p:extLst>
-      <p:ext uri="{C676402C-5697-4E1C-873F-D02D1690AC5C}">
-        <p15:threadingInfo xmlns:p15="http://schemas.microsoft.com/office/powerpoint/2012/main" timeZoneBias="-120"/>
-      </p:ext>
-    </p:extLst>
-  </p:cm>
-</p:cmLst>
+<p:cmAuthorLst xmlns:a="http://schemas.openxmlformats.org/drawingml/2006/main" xmlns:r="http://schemas.openxmlformats.org/officeDocument/2006/relationships" xmlns:p="http://schemas.openxmlformats.org/presentationml/2006/main" xmlns:m="http://schemas.openxmlformats.org/officeDocument/2006/math" xmlns:a14="http://schemas.microsoft.com/office/drawing/2010/main"/>
 </file>
 
 <file path=ppt/notesMasters/notesMaster1.xml><?xml version="1.0" encoding="utf-8"?>
@@ -3523,7 +3508,7 @@
               <p:nvPr/>
             </p:nvPicPr>
             <p:blipFill>
-              <a:blip r:embed="rId4">
+              <a:blip r:embed="rId3">
                 <a:extLst/>
               </a:blip>
               <a:stretch>
@@ -4441,10 +4426,10 @@
       </p:par>
     </p:tnLst>
     <p:bldLst>
+      <p:bldP build="whole" bldLvl="1" animBg="1" rev="0" advAuto="0" spid="134" grpId="1"/>
+      <p:bldP build="whole" bldLvl="1" animBg="1" rev="0" advAuto="0" spid="135" grpId="2"/>
       <p:bldP build="whole" bldLvl="1" animBg="1" rev="0" advAuto="0" spid="138" grpId="6"/>
-      <p:bldP build="whole" bldLvl="1" animBg="1" rev="0" advAuto="0" spid="134" grpId="1"/>
       <p:bldP build="whole" bldLvl="1" animBg="1" rev="0" advAuto="0" spid="137" grpId="5"/>
-      <p:bldP build="whole" bldLvl="1" animBg="1" rev="0" advAuto="0" spid="135" grpId="2"/>
       <p:bldP build="whole" bldLvl="1" animBg="1" rev="0" advAuto="0" spid="136" grpId="3"/>
     </p:bldLst>
   </p:timing>
@@ -5277,12 +5262,12 @@
       </p:par>
     </p:tnLst>
     <p:bldLst>
+      <p:bldP build="whole" bldLvl="1" animBg="1" rev="0" advAuto="0" spid="147" grpId="5"/>
+      <p:bldP build="whole" bldLvl="1" animBg="1" rev="0" advAuto="0" spid="150" grpId="6"/>
       <p:bldP build="whole" bldLvl="1" animBg="1" rev="0" advAuto="0" spid="143" grpId="2"/>
+      <p:bldP build="whole" bldLvl="1" animBg="1" rev="0" advAuto="0" spid="142" grpId="1"/>
+      <p:bldP build="whole" bldLvl="1" animBg="1" rev="0" advAuto="0" spid="153" grpId="7"/>
       <p:bldP build="whole" bldLvl="1" animBg="1" rev="0" advAuto="0" spid="144" grpId="3"/>
-      <p:bldP build="whole" bldLvl="1" animBg="1" rev="0" advAuto="0" spid="142" grpId="1"/>
-      <p:bldP build="whole" bldLvl="1" animBg="1" rev="0" advAuto="0" spid="147" grpId="5"/>
-      <p:bldP build="whole" bldLvl="1" animBg="1" rev="0" advAuto="0" spid="153" grpId="7"/>
-      <p:bldP build="whole" bldLvl="1" animBg="1" rev="0" advAuto="0" spid="150" grpId="6"/>
     </p:bldLst>
   </p:timing>
 </p:sld>
@@ -5558,7 +5543,7 @@
                             </p:stCondLst>
                             <p:childTnLst>
                               <p:par>
-                                <p:cTn id="10" presetClass="entr" nodeType="clickEffect" presetID="10" grpId="2" fill="hold">
+                                <p:cTn id="10" presetClass="entr" nodeType="clickEffect" presetID="9" grpId="2" fill="hold">
                                   <p:stCondLst>
                                     <p:cond delay="0"/>
                                   </p:stCondLst>
@@ -5570,7 +5555,7 @@
                                       <p:cBhvr>
                                         <p:cTn id="11" fill="hold"/>
                                         <p:tgtEl>
-                                          <p:spTgt spid="158"/>
+                                          <p:spTgt spid="159"/>
                                         </p:tgtEl>
                                         <p:attrNameLst>
                                           <p:attrName>style.visibility</p:attrName>
@@ -5580,11 +5565,11 @@
                                         <p:strVal val="visible"/>
                                       </p:to>
                                     </p:set>
-                                    <p:animEffect filter="fade" transition="in">
+                                    <p:animEffect filter="dissolve" transition="in">
                                       <p:cBhvr>
                                         <p:cTn id="12" dur="1500"/>
                                         <p:tgtEl>
-                                          <p:spTgt spid="158"/>
+                                          <p:spTgt spid="159"/>
                                         </p:tgtEl>
                                       </p:cBhvr>
                                     </p:animEffect>
@@ -5666,7 +5651,7 @@
                                       <p:cBhvr>
                                         <p:cTn id="20" fill="hold"/>
                                         <p:tgtEl>
-                                          <p:spTgt spid="159"/>
+                                          <p:spTgt spid="160"/>
                                         </p:tgtEl>
                                         <p:attrNameLst>
                                           <p:attrName>style.visibility</p:attrName>
@@ -5680,7 +5665,7 @@
                                       <p:cBhvr>
                                         <p:cTn id="21" dur="1500"/>
                                         <p:tgtEl>
-                                          <p:spTgt spid="159"/>
+                                          <p:spTgt spid="160"/>
                                         </p:tgtEl>
                                       </p:cBhvr>
                                     </p:animEffect>
@@ -5706,7 +5691,7 @@
                             </p:stCondLst>
                             <p:childTnLst>
                               <p:par>
-                                <p:cTn id="24" presetClass="entr" nodeType="clickEffect" presetID="9" grpId="5" fill="hold">
+                                <p:cTn id="24" presetClass="entr" nodeType="clickEffect" presetID="10" grpId="5" fill="hold">
                                   <p:stCondLst>
                                     <p:cond delay="0"/>
                                   </p:stCondLst>
@@ -5718,7 +5703,7 @@
                                       <p:cBhvr>
                                         <p:cTn id="25" fill="hold"/>
                                         <p:tgtEl>
-                                          <p:spTgt spid="160"/>
+                                          <p:spTgt spid="158"/>
                                         </p:tgtEl>
                                         <p:attrNameLst>
                                           <p:attrName>style.visibility</p:attrName>
@@ -5728,11 +5713,11 @@
                                         <p:strVal val="visible"/>
                                       </p:to>
                                     </p:set>
-                                    <p:animEffect filter="dissolve" transition="in">
+                                    <p:animEffect filter="fade" transition="in">
                                       <p:cBhvr>
                                         <p:cTn id="26" dur="1500"/>
                                         <p:tgtEl>
-                                          <p:spTgt spid="160"/>
+                                          <p:spTgt spid="158"/>
                                         </p:tgtEl>
                                       </p:cBhvr>
                                     </p:animEffect>
@@ -5858,11 +5843,11 @@
     </p:tnLst>
     <p:bldLst>
       <p:bldP build="whole" bldLvl="1" animBg="1" rev="0" advAuto="0" spid="161" grpId="3"/>
+      <p:bldP build="whole" bldLvl="1" animBg="1" rev="0" advAuto="0" spid="159" grpId="2"/>
+      <p:bldP build="whole" bldLvl="1" animBg="1" rev="0" advAuto="0" spid="162" grpId="6"/>
       <p:bldP build="whole" bldLvl="1" animBg="1" rev="0" advAuto="0" spid="157" grpId="1"/>
-      <p:bldP build="whole" bldLvl="1" animBg="1" rev="0" advAuto="0" spid="159" grpId="4"/>
-      <p:bldP build="whole" bldLvl="1" animBg="1" rev="0" advAuto="0" spid="158" grpId="2"/>
-      <p:bldP build="whole" bldLvl="1" animBg="1" rev="0" advAuto="0" spid="160" grpId="5"/>
-      <p:bldP build="whole" bldLvl="1" animBg="1" rev="0" advAuto="0" spid="162" grpId="6"/>
+      <p:bldP build="whole" bldLvl="1" animBg="1" rev="0" advAuto="0" spid="160" grpId="4"/>
+      <p:bldP build="whole" bldLvl="1" animBg="1" rev="0" advAuto="0" spid="158" grpId="5"/>
     </p:bldLst>
   </p:timing>
 </p:sld>
@@ -8153,19 +8138,81 @@
       </p:par>
     </p:tnLst>
     <p:bldLst>
+      <p:bldP build="whole" bldLvl="1" animBg="1" rev="0" advAuto="0" spid="224" grpId="6"/>
+      <p:bldP build="whole" bldLvl="1" animBg="1" rev="0" advAuto="0" spid="168" grpId="3"/>
+      <p:bldP build="whole" bldLvl="1" animBg="1" rev="0" advAuto="0" spid="171" grpId="5"/>
+      <p:bldP build="whole" bldLvl="1" animBg="1" rev="0" advAuto="0" spid="192" grpId="1"/>
       <p:bldP build="whole" bldLvl="1" animBg="1" rev="0" advAuto="0" spid="213" grpId="4"/>
-      <p:bldP build="whole" bldLvl="1" animBg="1" rev="0" advAuto="0" spid="171" grpId="5"/>
-      <p:bldP build="whole" bldLvl="1" animBg="1" rev="0" advAuto="0" spid="224" grpId="6"/>
-      <p:bldP build="whole" bldLvl="1" animBg="1" rev="0" advAuto="0" spid="192" grpId="1"/>
+      <p:bldP build="whole" bldLvl="1" animBg="1" rev="0" advAuto="0" spid="202" grpId="2"/>
       <p:bldP build="whole" bldLvl="1" animBg="1" rev="0" advAuto="0" spid="175" grpId="7"/>
-      <p:bldP build="whole" bldLvl="1" animBg="1" rev="0" advAuto="0" spid="202" grpId="2"/>
-      <p:bldP build="whole" bldLvl="1" animBg="1" rev="0" advAuto="0" spid="168" grpId="3"/>
     </p:bldLst>
   </p:timing>
 </p:sld>
 </file>
 
 <file path=ppt/slides/slide6.xml><?xml version="1.0" encoding="utf-8"?>
+<p:sld xmlns:a="http://schemas.openxmlformats.org/drawingml/2006/main" xmlns:r="http://schemas.openxmlformats.org/officeDocument/2006/relationships" xmlns:p="http://schemas.openxmlformats.org/presentationml/2006/main" xmlns:m="http://schemas.openxmlformats.org/officeDocument/2006/math" xmlns:a14="http://schemas.microsoft.com/office/drawing/2010/main" showMasterSp="1" showMasterPhAnim="1">
+  <p:cSld>
+    <p:bg>
+      <p:bgPr>
+        <a:solidFill>
+          <a:srgbClr val="0079BF"/>
+        </a:solidFill>
+      </p:bgPr>
+    </p:bg>
+    <p:spTree>
+      <p:nvGrpSpPr>
+        <p:cNvPr id="1" name=""/>
+        <p:cNvGrpSpPr/>
+        <p:nvPr/>
+      </p:nvGrpSpPr>
+      <p:grpSpPr>
+        <a:xfrm>
+          <a:off x="0" y="0"/>
+          <a:ext cx="0" cy="0"/>
+          <a:chOff x="0" y="0"/>
+          <a:chExt cx="0" cy="0"/>
+        </a:xfrm>
+      </p:grpSpPr>
+      <p:pic>
+        <p:nvPicPr>
+          <p:cNvPr id="226" name="BCB41CCE-3975-4871-BE4B-C1502A3F8F25-L0-001.png" descr="BCB41CCE-3975-4871-BE4B-C1502A3F8F25-L0-001.png"/>
+          <p:cNvPicPr>
+            <a:picLocks noChangeAspect="1"/>
+          </p:cNvPicPr>
+          <p:nvPr/>
+        </p:nvPicPr>
+        <p:blipFill>
+          <a:blip r:embed="rId2">
+            <a:extLst/>
+          </a:blip>
+          <a:stretch>
+            <a:fillRect/>
+          </a:stretch>
+        </p:blipFill>
+        <p:spPr>
+          <a:xfrm>
+            <a:off x="0" y="407479"/>
+            <a:ext cx="13004800" cy="8938642"/>
+          </a:xfrm>
+          <a:prstGeom prst="rect">
+            <a:avLst/>
+          </a:prstGeom>
+          <a:ln w="12700">
+            <a:miter lim="400000"/>
+          </a:ln>
+        </p:spPr>
+      </p:pic>
+    </p:spTree>
+  </p:cSld>
+  <p:clrMapOvr>
+    <a:masterClrMapping/>
+  </p:clrMapOvr>
+  <p:transition xmlns:p14="http://schemas.microsoft.com/office/powerpoint/2010/main" spd="med" advClick="1"/>
+</p:sld>
+</file>
+
+<file path=ppt/slides/slide7.xml><?xml version="1.0" encoding="utf-8"?>
 <p:sld xmlns:a="http://schemas.openxmlformats.org/drawingml/2006/main" xmlns:r="http://schemas.openxmlformats.org/officeDocument/2006/relationships" xmlns:p="http://schemas.openxmlformats.org/presentationml/2006/main" xmlns:m="http://schemas.openxmlformats.org/officeDocument/2006/math" xmlns:a14="http://schemas.microsoft.com/office/drawing/2010/main" showMasterSp="1" showMasterPhAnim="1">
   <p:cSld>
     <p:spTree>
@@ -8184,7 +8231,7 @@
       </p:grpSpPr>
       <p:sp>
         <p:nvSpPr>
-          <p:cNvPr id="226" name="Merci !"/>
+          <p:cNvPr id="228" name="Merci !"/>
           <p:cNvSpPr txBox="1"/>
           <p:nvPr/>
         </p:nvSpPr>
